--- a/Examples/Data/Presentations/Saving/presentation.pptx
+++ b/Examples/Data/Presentations/Saving/presentation.pptx
@@ -1,6 +1,6 @@
 
 <file path=ppt/presentation.xml><?xml version="1.0" encoding="utf-8"?>
-<!--Generated by Aspose.Slides for .NET 19.5-->
+<!--Generated by Aspose.Slides for .NET 21.12-->
 <p:presentation xmlns:r="http://schemas.openxmlformats.org/officeDocument/2006/relationships" xmlns:a="http://schemas.openxmlformats.org/drawingml/2006/main" xmlns:p="http://schemas.openxmlformats.org/presentationml/2006/main" saveSubsetFonts="1">
   <p:sldMasterIdLst>
     <p:sldMasterId id="2147483648" r:id="rId1"/>
@@ -112,11 +112,11 @@
 </file>
 
 <file path=ppt/slideLayouts/slideLayout1.xml><?xml version="1.0" encoding="utf-8"?>
-<p:sldLayout xmlns:a="http://schemas.openxmlformats.org/drawingml/2006/main" xmlns:r="http://schemas.openxmlformats.org/officeDocument/2006/relationships" xmlns:p14="http://schemas.microsoft.com/office/powerpoint/2010/main" xmlns:a14="http://schemas.microsoft.com/office/drawing/2010/main" xmlns:p15="http://schemas.microsoft.com/office/powerpoint/2012/main" xmlns:p159="http://schemas.microsoft.com/office/powerpoint/2015/09/main" xmlns:p="http://schemas.openxmlformats.org/presentationml/2006/main" type="title" preserve="1">
+<p:sldLayout xmlns:a="http://schemas.openxmlformats.org/drawingml/2006/main" xmlns:r="http://schemas.openxmlformats.org/officeDocument/2006/relationships" xmlns:m="http://schemas.openxmlformats.org/officeDocument/2006/math" xmlns:w="http://schemas.openxmlformats.org/wordprocessingml/2006/main" xmlns:wp="http://schemas.openxmlformats.org/drawingml/2006/wordprocessingDrawing" xmlns:a14="http://schemas.microsoft.com/office/drawing/2010/main" xmlns:mc="http://schemas.openxmlformats.org/markup-compatibility/2006" xmlns:p14="http://schemas.microsoft.com/office/powerpoint/2010/main" xmlns:p15="http://schemas.microsoft.com/office/powerpoint/2012/main" xmlns:p159="http://schemas.microsoft.com/office/powerpoint/2015/09/main" xmlns:p="http://schemas.openxmlformats.org/presentationml/2006/main" type="title" preserve="1">
   <p:cSld name="Title Slide">
     <p:spTree>
       <p:nvGrpSpPr>
-        <p:cNvPr id="1" name=""/>
+        <p:cNvPr id="1" name="" title=""/>
         <p:cNvGrpSpPr/>
         <p:nvPr/>
       </p:nvGrpSpPr>
@@ -128,7 +128,7 @@
       </p:grpSpPr>
       <p:sp>
         <p:nvSpPr>
-          <p:cNvPr id="2" name="Title 1"/>
+          <p:cNvPr id="2" name="Title 1" title=""/>
           <p:cNvSpPr>
             <a:spLocks noGrp="1"/>
           </p:cNvSpPr>
@@ -151,7 +151,7 @@
       </p:sp>
       <p:sp>
         <p:nvSpPr>
-          <p:cNvPr id="3" name="Subtitle 2"/>
+          <p:cNvPr id="3" name="Subtitle 2" title=""/>
           <p:cNvSpPr>
             <a:spLocks noGrp="1"/>
           </p:cNvSpPr>
@@ -265,7 +265,7 @@
       </p:sp>
       <p:sp>
         <p:nvSpPr>
-          <p:cNvPr id="4" name="Date Placeholder 3"/>
+          <p:cNvPr id="4" name="Date Placeholder 3" title=""/>
           <p:cNvSpPr>
             <a:spLocks noGrp="1"/>
           </p:cNvSpPr>
@@ -278,7 +278,7 @@
           <a:bodyPr/>
           <a:lstStyle/>
           <a:p>
-            <a:fld id="{9BE823E6-9DDD-49A3-8193-92CD829A25FD}" type="datetimeFigureOut">
+            <a:fld id="{65AC1ABC-495A-45EE-8AD1-765B788DE96F}" type="datetimeFigureOut">
               <a:rPr lang="en-US" smtClean="0"/>
               <a:t>11/7/2009</a:t>
             </a:fld>
@@ -288,7 +288,7 @@
       </p:sp>
       <p:sp>
         <p:nvSpPr>
-          <p:cNvPr id="5" name="Footer Placeholder 4"/>
+          <p:cNvPr id="5" name="Footer Placeholder 4" title=""/>
           <p:cNvSpPr>
             <a:spLocks noGrp="1"/>
           </p:cNvSpPr>
@@ -307,7 +307,7 @@
       </p:sp>
       <p:sp>
         <p:nvSpPr>
-          <p:cNvPr id="6" name="Slide Number Placeholder 5"/>
+          <p:cNvPr id="6" name="Slide Number Placeholder 5" title=""/>
           <p:cNvSpPr>
             <a:spLocks noGrp="1"/>
           </p:cNvSpPr>
@@ -339,11 +339,11 @@
 </file>
 
 <file path=ppt/slideLayouts/slideLayout10.xml><?xml version="1.0" encoding="utf-8"?>
-<p:sldLayout xmlns:a="http://schemas.openxmlformats.org/drawingml/2006/main" xmlns:r="http://schemas.openxmlformats.org/officeDocument/2006/relationships" xmlns:p14="http://schemas.microsoft.com/office/powerpoint/2010/main" xmlns:a14="http://schemas.microsoft.com/office/drawing/2010/main" xmlns:p15="http://schemas.microsoft.com/office/powerpoint/2012/main" xmlns:p159="http://schemas.microsoft.com/office/powerpoint/2015/09/main" xmlns:p="http://schemas.openxmlformats.org/presentationml/2006/main" type="vertTx" preserve="1">
+<p:sldLayout xmlns:a="http://schemas.openxmlformats.org/drawingml/2006/main" xmlns:r="http://schemas.openxmlformats.org/officeDocument/2006/relationships" xmlns:m="http://schemas.openxmlformats.org/officeDocument/2006/math" xmlns:w="http://schemas.openxmlformats.org/wordprocessingml/2006/main" xmlns:wp="http://schemas.openxmlformats.org/drawingml/2006/wordprocessingDrawing" xmlns:a14="http://schemas.microsoft.com/office/drawing/2010/main" xmlns:mc="http://schemas.openxmlformats.org/markup-compatibility/2006" xmlns:p14="http://schemas.microsoft.com/office/powerpoint/2010/main" xmlns:p15="http://schemas.microsoft.com/office/powerpoint/2012/main" xmlns:p159="http://schemas.microsoft.com/office/powerpoint/2015/09/main" xmlns:p="http://schemas.openxmlformats.org/presentationml/2006/main" type="vertTx" preserve="1">
   <p:cSld name="Title and Vertical Text">
     <p:spTree>
       <p:nvGrpSpPr>
-        <p:cNvPr id="1" name=""/>
+        <p:cNvPr id="1" name="" title=""/>
         <p:cNvGrpSpPr/>
         <p:nvPr/>
       </p:nvGrpSpPr>
@@ -355,7 +355,7 @@
       </p:grpSpPr>
       <p:sp>
         <p:nvSpPr>
-          <p:cNvPr id="2" name="Title 1"/>
+          <p:cNvPr id="2" name="Title 1" title=""/>
           <p:cNvSpPr>
             <a:spLocks noGrp="1"/>
           </p:cNvSpPr>
@@ -378,7 +378,7 @@
       </p:sp>
       <p:sp>
         <p:nvSpPr>
-          <p:cNvPr id="3" name="Vertical Text Placeholder 2"/>
+          <p:cNvPr id="3" name="Vertical Text Placeholder 2" title=""/>
           <p:cNvSpPr>
             <a:spLocks noGrp="1"/>
           </p:cNvSpPr>
@@ -429,7 +429,7 @@
       </p:sp>
       <p:sp>
         <p:nvSpPr>
-          <p:cNvPr id="4" name="Date Placeholder 3"/>
+          <p:cNvPr id="4" name="Date Placeholder 3" title=""/>
           <p:cNvSpPr>
             <a:spLocks noGrp="1"/>
           </p:cNvSpPr>
@@ -442,7 +442,7 @@
           <a:bodyPr/>
           <a:lstStyle/>
           <a:p>
-            <a:fld id="{310A61B0-4CFD-4203-9391-6F7F0D558EFB}" type="datetimeFigureOut">
+            <a:fld id="{C1DBC5E1-5F80-46C8-BA81-EBDE748AD3A5}" type="datetimeFigureOut">
               <a:rPr lang="en-US" smtClean="0"/>
               <a:t>11/7/2009</a:t>
             </a:fld>
@@ -452,7 +452,7 @@
       </p:sp>
       <p:sp>
         <p:nvSpPr>
-          <p:cNvPr id="5" name="Footer Placeholder 4"/>
+          <p:cNvPr id="5" name="Footer Placeholder 4" title=""/>
           <p:cNvSpPr>
             <a:spLocks noGrp="1"/>
           </p:cNvSpPr>
@@ -471,7 +471,7 @@
       </p:sp>
       <p:sp>
         <p:nvSpPr>
-          <p:cNvPr id="6" name="Slide Number Placeholder 5"/>
+          <p:cNvPr id="6" name="Slide Number Placeholder 5" title=""/>
           <p:cNvSpPr>
             <a:spLocks noGrp="1"/>
           </p:cNvSpPr>
@@ -503,11 +503,11 @@
 </file>
 
 <file path=ppt/slideLayouts/slideLayout11.xml><?xml version="1.0" encoding="utf-8"?>
-<p:sldLayout xmlns:a="http://schemas.openxmlformats.org/drawingml/2006/main" xmlns:r="http://schemas.openxmlformats.org/officeDocument/2006/relationships" xmlns:p14="http://schemas.microsoft.com/office/powerpoint/2010/main" xmlns:a14="http://schemas.microsoft.com/office/drawing/2010/main" xmlns:p15="http://schemas.microsoft.com/office/powerpoint/2012/main" xmlns:p159="http://schemas.microsoft.com/office/powerpoint/2015/09/main" xmlns:p="http://schemas.openxmlformats.org/presentationml/2006/main" type="vertTitleAndTx" preserve="1">
+<p:sldLayout xmlns:a="http://schemas.openxmlformats.org/drawingml/2006/main" xmlns:r="http://schemas.openxmlformats.org/officeDocument/2006/relationships" xmlns:m="http://schemas.openxmlformats.org/officeDocument/2006/math" xmlns:w="http://schemas.openxmlformats.org/wordprocessingml/2006/main" xmlns:wp="http://schemas.openxmlformats.org/drawingml/2006/wordprocessingDrawing" xmlns:a14="http://schemas.microsoft.com/office/drawing/2010/main" xmlns:mc="http://schemas.openxmlformats.org/markup-compatibility/2006" xmlns:p14="http://schemas.microsoft.com/office/powerpoint/2010/main" xmlns:p15="http://schemas.microsoft.com/office/powerpoint/2012/main" xmlns:p159="http://schemas.microsoft.com/office/powerpoint/2015/09/main" xmlns:p="http://schemas.openxmlformats.org/presentationml/2006/main" type="vertTitleAndTx" preserve="1">
   <p:cSld name="Vertical Title and Text">
     <p:spTree>
       <p:nvGrpSpPr>
-        <p:cNvPr id="1" name=""/>
+        <p:cNvPr id="1" name="" title=""/>
         <p:cNvGrpSpPr/>
         <p:nvPr/>
       </p:nvGrpSpPr>
@@ -519,7 +519,7 @@
       </p:grpSpPr>
       <p:sp>
         <p:nvSpPr>
-          <p:cNvPr id="2" name="Vertical Title 1"/>
+          <p:cNvPr id="2" name="Vertical Title 1" title=""/>
           <p:cNvSpPr>
             <a:spLocks noGrp="1"/>
           </p:cNvSpPr>
@@ -542,7 +542,7 @@
       </p:sp>
       <p:sp>
         <p:nvSpPr>
-          <p:cNvPr id="3" name="Vertical Text Placeholder 2"/>
+          <p:cNvPr id="3" name="Vertical Text Placeholder 2" title=""/>
           <p:cNvSpPr>
             <a:spLocks noGrp="1"/>
           </p:cNvSpPr>
@@ -593,7 +593,7 @@
       </p:sp>
       <p:sp>
         <p:nvSpPr>
-          <p:cNvPr id="4" name="Date Placeholder 3"/>
+          <p:cNvPr id="4" name="Date Placeholder 3" title=""/>
           <p:cNvSpPr>
             <a:spLocks noGrp="1"/>
           </p:cNvSpPr>
@@ -606,7 +606,7 @@
           <a:bodyPr/>
           <a:lstStyle/>
           <a:p>
-            <a:fld id="{A80E58EE-D6B6-4CD7-84E7-4E5C71C308B8}" type="datetimeFigureOut">
+            <a:fld id="{FD4F55E7-9C90-48C8-85B8-7A30C0E32D7F}" type="datetimeFigureOut">
               <a:rPr lang="en-US" smtClean="0"/>
               <a:t>11/7/2009</a:t>
             </a:fld>
@@ -616,7 +616,7 @@
       </p:sp>
       <p:sp>
         <p:nvSpPr>
-          <p:cNvPr id="5" name="Footer Placeholder 4"/>
+          <p:cNvPr id="5" name="Footer Placeholder 4" title=""/>
           <p:cNvSpPr>
             <a:spLocks noGrp="1"/>
           </p:cNvSpPr>
@@ -635,7 +635,7 @@
       </p:sp>
       <p:sp>
         <p:nvSpPr>
-          <p:cNvPr id="6" name="Slide Number Placeholder 5"/>
+          <p:cNvPr id="6" name="Slide Number Placeholder 5" title=""/>
           <p:cNvSpPr>
             <a:spLocks noGrp="1"/>
           </p:cNvSpPr>
@@ -667,11 +667,11 @@
 </file>
 
 <file path=ppt/slideLayouts/slideLayout2.xml><?xml version="1.0" encoding="utf-8"?>
-<p:sldLayout xmlns:a="http://schemas.openxmlformats.org/drawingml/2006/main" xmlns:r="http://schemas.openxmlformats.org/officeDocument/2006/relationships" xmlns:p14="http://schemas.microsoft.com/office/powerpoint/2010/main" xmlns:a14="http://schemas.microsoft.com/office/drawing/2010/main" xmlns:p15="http://schemas.microsoft.com/office/powerpoint/2012/main" xmlns:p159="http://schemas.microsoft.com/office/powerpoint/2015/09/main" xmlns:p="http://schemas.openxmlformats.org/presentationml/2006/main" type="obj" preserve="1">
+<p:sldLayout xmlns:a="http://schemas.openxmlformats.org/drawingml/2006/main" xmlns:r="http://schemas.openxmlformats.org/officeDocument/2006/relationships" xmlns:m="http://schemas.openxmlformats.org/officeDocument/2006/math" xmlns:w="http://schemas.openxmlformats.org/wordprocessingml/2006/main" xmlns:wp="http://schemas.openxmlformats.org/drawingml/2006/wordprocessingDrawing" xmlns:a14="http://schemas.microsoft.com/office/drawing/2010/main" xmlns:mc="http://schemas.openxmlformats.org/markup-compatibility/2006" xmlns:p14="http://schemas.microsoft.com/office/powerpoint/2010/main" xmlns:p15="http://schemas.microsoft.com/office/powerpoint/2012/main" xmlns:p159="http://schemas.microsoft.com/office/powerpoint/2015/09/main" xmlns:p="http://schemas.openxmlformats.org/presentationml/2006/main" type="obj" preserve="1">
   <p:cSld name="Title and Content">
     <p:spTree>
       <p:nvGrpSpPr>
-        <p:cNvPr id="1" name=""/>
+        <p:cNvPr id="1" name="" title=""/>
         <p:cNvGrpSpPr/>
         <p:nvPr/>
       </p:nvGrpSpPr>
@@ -683,7 +683,7 @@
       </p:grpSpPr>
       <p:sp>
         <p:nvSpPr>
-          <p:cNvPr id="2" name="Title 1"/>
+          <p:cNvPr id="2" name="Title 1" title=""/>
           <p:cNvSpPr>
             <a:spLocks noGrp="1"/>
           </p:cNvSpPr>
@@ -706,7 +706,7 @@
       </p:sp>
       <p:sp>
         <p:nvSpPr>
-          <p:cNvPr id="3" name="Content Placeholder 2"/>
+          <p:cNvPr id="3" name="Content Placeholder 2" title=""/>
           <p:cNvSpPr>
             <a:spLocks noGrp="1"/>
           </p:cNvSpPr>
@@ -757,7 +757,7 @@
       </p:sp>
       <p:sp>
         <p:nvSpPr>
-          <p:cNvPr id="4" name="Date Placeholder 3"/>
+          <p:cNvPr id="4" name="Date Placeholder 3" title=""/>
           <p:cNvSpPr>
             <a:spLocks noGrp="1"/>
           </p:cNvSpPr>
@@ -770,7 +770,7 @@
           <a:bodyPr/>
           <a:lstStyle/>
           <a:p>
-            <a:fld id="{74954358-69ED-466E-A2C2-35534ABD4426}" type="datetimeFigureOut">
+            <a:fld id="{703240B5-DAEF-4B62-88D9-8272CE079AD6}" type="datetimeFigureOut">
               <a:rPr lang="en-US" smtClean="0"/>
               <a:t>11/7/2009</a:t>
             </a:fld>
@@ -780,7 +780,7 @@
       </p:sp>
       <p:sp>
         <p:nvSpPr>
-          <p:cNvPr id="5" name="Footer Placeholder 4"/>
+          <p:cNvPr id="5" name="Footer Placeholder 4" title=""/>
           <p:cNvSpPr>
             <a:spLocks noGrp="1"/>
           </p:cNvSpPr>
@@ -799,7 +799,7 @@
       </p:sp>
       <p:sp>
         <p:nvSpPr>
-          <p:cNvPr id="6" name="Slide Number Placeholder 5"/>
+          <p:cNvPr id="6" name="Slide Number Placeholder 5" title=""/>
           <p:cNvSpPr>
             <a:spLocks noGrp="1"/>
           </p:cNvSpPr>
@@ -831,11 +831,11 @@
 </file>
 
 <file path=ppt/slideLayouts/slideLayout3.xml><?xml version="1.0" encoding="utf-8"?>
-<p:sldLayout xmlns:a="http://schemas.openxmlformats.org/drawingml/2006/main" xmlns:r="http://schemas.openxmlformats.org/officeDocument/2006/relationships" xmlns:p14="http://schemas.microsoft.com/office/powerpoint/2010/main" xmlns:a14="http://schemas.microsoft.com/office/drawing/2010/main" xmlns:p15="http://schemas.microsoft.com/office/powerpoint/2012/main" xmlns:p159="http://schemas.microsoft.com/office/powerpoint/2015/09/main" xmlns:p="http://schemas.openxmlformats.org/presentationml/2006/main" type="secHead" preserve="1">
+<p:sldLayout xmlns:a="http://schemas.openxmlformats.org/drawingml/2006/main" xmlns:r="http://schemas.openxmlformats.org/officeDocument/2006/relationships" xmlns:m="http://schemas.openxmlformats.org/officeDocument/2006/math" xmlns:w="http://schemas.openxmlformats.org/wordprocessingml/2006/main" xmlns:wp="http://schemas.openxmlformats.org/drawingml/2006/wordprocessingDrawing" xmlns:a14="http://schemas.microsoft.com/office/drawing/2010/main" xmlns:mc="http://schemas.openxmlformats.org/markup-compatibility/2006" xmlns:p14="http://schemas.microsoft.com/office/powerpoint/2010/main" xmlns:p15="http://schemas.microsoft.com/office/powerpoint/2012/main" xmlns:p159="http://schemas.microsoft.com/office/powerpoint/2015/09/main" xmlns:p="http://schemas.openxmlformats.org/presentationml/2006/main" type="secHead" preserve="1">
   <p:cSld name="Section Header">
     <p:spTree>
       <p:nvGrpSpPr>
-        <p:cNvPr id="1" name=""/>
+        <p:cNvPr id="1" name="" title=""/>
         <p:cNvGrpSpPr/>
         <p:nvPr/>
       </p:nvGrpSpPr>
@@ -847,7 +847,7 @@
       </p:grpSpPr>
       <p:sp>
         <p:nvSpPr>
-          <p:cNvPr id="2" name="Title 1"/>
+          <p:cNvPr id="2" name="Title 1" title=""/>
           <p:cNvSpPr>
             <a:spLocks noGrp="1"/>
           </p:cNvSpPr>
@@ -874,7 +874,7 @@
       </p:sp>
       <p:sp>
         <p:nvSpPr>
-          <p:cNvPr id="3" name="Text Placeholder 2"/>
+          <p:cNvPr id="3" name="Text Placeholder 2" title=""/>
           <p:cNvSpPr>
             <a:spLocks noGrp="1"/>
           </p:cNvSpPr>
@@ -987,7 +987,7 @@
       </p:sp>
       <p:sp>
         <p:nvSpPr>
-          <p:cNvPr id="4" name="Date Placeholder 3"/>
+          <p:cNvPr id="4" name="Date Placeholder 3" title=""/>
           <p:cNvSpPr>
             <a:spLocks noGrp="1"/>
           </p:cNvSpPr>
@@ -1000,7 +1000,7 @@
           <a:bodyPr/>
           <a:lstStyle/>
           <a:p>
-            <a:fld id="{F78D2223-A8E1-41C7-B3BF-C3404EF66962}" type="datetimeFigureOut">
+            <a:fld id="{667758AE-E4C7-4BDB-A5F9-591B02FF0D6B}" type="datetimeFigureOut">
               <a:rPr lang="en-US" smtClean="0"/>
               <a:t>11/7/2009</a:t>
             </a:fld>
@@ -1010,7 +1010,7 @@
       </p:sp>
       <p:sp>
         <p:nvSpPr>
-          <p:cNvPr id="5" name="Footer Placeholder 4"/>
+          <p:cNvPr id="5" name="Footer Placeholder 4" title=""/>
           <p:cNvSpPr>
             <a:spLocks noGrp="1"/>
           </p:cNvSpPr>
@@ -1029,7 +1029,7 @@
       </p:sp>
       <p:sp>
         <p:nvSpPr>
-          <p:cNvPr id="6" name="Slide Number Placeholder 5"/>
+          <p:cNvPr id="6" name="Slide Number Placeholder 5" title=""/>
           <p:cNvSpPr>
             <a:spLocks noGrp="1"/>
           </p:cNvSpPr>
@@ -1061,11 +1061,11 @@
 </file>
 
 <file path=ppt/slideLayouts/slideLayout4.xml><?xml version="1.0" encoding="utf-8"?>
-<p:sldLayout xmlns:a="http://schemas.openxmlformats.org/drawingml/2006/main" xmlns:r="http://schemas.openxmlformats.org/officeDocument/2006/relationships" xmlns:p14="http://schemas.microsoft.com/office/powerpoint/2010/main" xmlns:a14="http://schemas.microsoft.com/office/drawing/2010/main" xmlns:p15="http://schemas.microsoft.com/office/powerpoint/2012/main" xmlns:p159="http://schemas.microsoft.com/office/powerpoint/2015/09/main" xmlns:p="http://schemas.openxmlformats.org/presentationml/2006/main" type="twoObj" preserve="1">
+<p:sldLayout xmlns:a="http://schemas.openxmlformats.org/drawingml/2006/main" xmlns:r="http://schemas.openxmlformats.org/officeDocument/2006/relationships" xmlns:m="http://schemas.openxmlformats.org/officeDocument/2006/math" xmlns:w="http://schemas.openxmlformats.org/wordprocessingml/2006/main" xmlns:wp="http://schemas.openxmlformats.org/drawingml/2006/wordprocessingDrawing" xmlns:a14="http://schemas.microsoft.com/office/drawing/2010/main" xmlns:mc="http://schemas.openxmlformats.org/markup-compatibility/2006" xmlns:p14="http://schemas.microsoft.com/office/powerpoint/2010/main" xmlns:p15="http://schemas.microsoft.com/office/powerpoint/2012/main" xmlns:p159="http://schemas.microsoft.com/office/powerpoint/2015/09/main" xmlns:p="http://schemas.openxmlformats.org/presentationml/2006/main" type="twoObj" preserve="1">
   <p:cSld name="Two Content">
     <p:spTree>
       <p:nvGrpSpPr>
-        <p:cNvPr id="1" name=""/>
+        <p:cNvPr id="1" name="" title=""/>
         <p:cNvGrpSpPr/>
         <p:nvPr/>
       </p:nvGrpSpPr>
@@ -1077,7 +1077,7 @@
       </p:grpSpPr>
       <p:sp>
         <p:nvSpPr>
-          <p:cNvPr id="2" name="Title 1"/>
+          <p:cNvPr id="2" name="Title 1" title=""/>
           <p:cNvSpPr>
             <a:spLocks noGrp="1"/>
           </p:cNvSpPr>
@@ -1100,7 +1100,7 @@
       </p:sp>
       <p:sp>
         <p:nvSpPr>
-          <p:cNvPr id="3" name="Content Placeholder 2"/>
+          <p:cNvPr id="3" name="Content Placeholder 2" title=""/>
           <p:cNvSpPr>
             <a:spLocks noGrp="1"/>
           </p:cNvSpPr>
@@ -1179,7 +1179,7 @@
       </p:sp>
       <p:sp>
         <p:nvSpPr>
-          <p:cNvPr id="4" name="Content Placeholder 3"/>
+          <p:cNvPr id="4" name="Content Placeholder 3" title=""/>
           <p:cNvSpPr>
             <a:spLocks noGrp="1"/>
           </p:cNvSpPr>
@@ -1258,7 +1258,7 @@
       </p:sp>
       <p:sp>
         <p:nvSpPr>
-          <p:cNvPr id="5" name="Date Placeholder 4"/>
+          <p:cNvPr id="5" name="Date Placeholder 4" title=""/>
           <p:cNvSpPr>
             <a:spLocks noGrp="1"/>
           </p:cNvSpPr>
@@ -1271,7 +1271,7 @@
           <a:bodyPr/>
           <a:lstStyle/>
           <a:p>
-            <a:fld id="{D0CD4C26-5357-42FE-BBD7-BC9DBE54F19F}" type="datetimeFigureOut">
+            <a:fld id="{363C1C38-4820-479F-B2C5-78EF14188D59}" type="datetimeFigureOut">
               <a:rPr lang="en-US" smtClean="0"/>
               <a:t>11/7/2009</a:t>
             </a:fld>
@@ -1281,7 +1281,7 @@
       </p:sp>
       <p:sp>
         <p:nvSpPr>
-          <p:cNvPr id="6" name="Footer Placeholder 5"/>
+          <p:cNvPr id="6" name="Footer Placeholder 5" title=""/>
           <p:cNvSpPr>
             <a:spLocks noGrp="1"/>
           </p:cNvSpPr>
@@ -1300,7 +1300,7 @@
       </p:sp>
       <p:sp>
         <p:nvSpPr>
-          <p:cNvPr id="7" name="Slide Number Placeholder 6"/>
+          <p:cNvPr id="7" name="Slide Number Placeholder 6" title=""/>
           <p:cNvSpPr>
             <a:spLocks noGrp="1"/>
           </p:cNvSpPr>
@@ -1332,11 +1332,11 @@
 </file>
 
 <file path=ppt/slideLayouts/slideLayout5.xml><?xml version="1.0" encoding="utf-8"?>
-<p:sldLayout xmlns:a="http://schemas.openxmlformats.org/drawingml/2006/main" xmlns:r="http://schemas.openxmlformats.org/officeDocument/2006/relationships" xmlns:p14="http://schemas.microsoft.com/office/powerpoint/2010/main" xmlns:a14="http://schemas.microsoft.com/office/drawing/2010/main" xmlns:p15="http://schemas.microsoft.com/office/powerpoint/2012/main" xmlns:p159="http://schemas.microsoft.com/office/powerpoint/2015/09/main" xmlns:p="http://schemas.openxmlformats.org/presentationml/2006/main" type="twoTxTwoObj" preserve="1">
+<p:sldLayout xmlns:a="http://schemas.openxmlformats.org/drawingml/2006/main" xmlns:r="http://schemas.openxmlformats.org/officeDocument/2006/relationships" xmlns:m="http://schemas.openxmlformats.org/officeDocument/2006/math" xmlns:w="http://schemas.openxmlformats.org/wordprocessingml/2006/main" xmlns:wp="http://schemas.openxmlformats.org/drawingml/2006/wordprocessingDrawing" xmlns:a14="http://schemas.microsoft.com/office/drawing/2010/main" xmlns:mc="http://schemas.openxmlformats.org/markup-compatibility/2006" xmlns:p14="http://schemas.microsoft.com/office/powerpoint/2010/main" xmlns:p15="http://schemas.microsoft.com/office/powerpoint/2012/main" xmlns:p159="http://schemas.microsoft.com/office/powerpoint/2015/09/main" xmlns:p="http://schemas.openxmlformats.org/presentationml/2006/main" type="twoTxTwoObj" preserve="1">
   <p:cSld name="Comparison">
     <p:spTree>
       <p:nvGrpSpPr>
-        <p:cNvPr id="1" name=""/>
+        <p:cNvPr id="1" name="" title=""/>
         <p:cNvGrpSpPr/>
         <p:nvPr/>
       </p:nvGrpSpPr>
@@ -1348,7 +1348,7 @@
       </p:grpSpPr>
       <p:sp>
         <p:nvSpPr>
-          <p:cNvPr id="2" name="Title 1"/>
+          <p:cNvPr id="2" name="Title 1" title=""/>
           <p:cNvSpPr>
             <a:spLocks noGrp="1"/>
           </p:cNvSpPr>
@@ -1371,7 +1371,7 @@
       </p:sp>
       <p:sp>
         <p:nvSpPr>
-          <p:cNvPr id="3" name="Text Placeholder 2"/>
+          <p:cNvPr id="3" name="Text Placeholder 2" title=""/>
           <p:cNvSpPr>
             <a:spLocks noGrp="1"/>
           </p:cNvSpPr>
@@ -1430,7 +1430,7 @@
       </p:sp>
       <p:sp>
         <p:nvSpPr>
-          <p:cNvPr id="4" name="Content Placeholder 3"/>
+          <p:cNvPr id="4" name="Content Placeholder 3" title=""/>
           <p:cNvSpPr>
             <a:spLocks noGrp="1"/>
           </p:cNvSpPr>
@@ -1509,7 +1509,7 @@
       </p:sp>
       <p:sp>
         <p:nvSpPr>
-          <p:cNvPr id="5" name="Text Placeholder 4"/>
+          <p:cNvPr id="5" name="Text Placeholder 4" title=""/>
           <p:cNvSpPr>
             <a:spLocks noGrp="1"/>
           </p:cNvSpPr>
@@ -1568,7 +1568,7 @@
       </p:sp>
       <p:sp>
         <p:nvSpPr>
-          <p:cNvPr id="6" name="Content Placeholder 5"/>
+          <p:cNvPr id="6" name="Content Placeholder 5" title=""/>
           <p:cNvSpPr>
             <a:spLocks noGrp="1"/>
           </p:cNvSpPr>
@@ -1647,7 +1647,7 @@
       </p:sp>
       <p:sp>
         <p:nvSpPr>
-          <p:cNvPr id="7" name="Date Placeholder 6"/>
+          <p:cNvPr id="7" name="Date Placeholder 6" title=""/>
           <p:cNvSpPr>
             <a:spLocks noGrp="1"/>
           </p:cNvSpPr>
@@ -1660,7 +1660,7 @@
           <a:bodyPr/>
           <a:lstStyle/>
           <a:p>
-            <a:fld id="{5972FD3F-CD82-4C3E-839A-6D1ED693B64D}" type="datetimeFigureOut">
+            <a:fld id="{BE892EDE-BF4F-4026-9305-E94FD4722FA6}" type="datetimeFigureOut">
               <a:rPr lang="en-US" smtClean="0"/>
               <a:t>11/7/2009</a:t>
             </a:fld>
@@ -1670,7 +1670,7 @@
       </p:sp>
       <p:sp>
         <p:nvSpPr>
-          <p:cNvPr id="8" name="Footer Placeholder 7"/>
+          <p:cNvPr id="8" name="Footer Placeholder 7" title=""/>
           <p:cNvSpPr>
             <a:spLocks noGrp="1"/>
           </p:cNvSpPr>
@@ -1689,7 +1689,7 @@
       </p:sp>
       <p:sp>
         <p:nvSpPr>
-          <p:cNvPr id="9" name="Slide Number Placeholder 8"/>
+          <p:cNvPr id="9" name="Slide Number Placeholder 8" title=""/>
           <p:cNvSpPr>
             <a:spLocks noGrp="1"/>
           </p:cNvSpPr>
@@ -1721,11 +1721,11 @@
 </file>
 
 <file path=ppt/slideLayouts/slideLayout6.xml><?xml version="1.0" encoding="utf-8"?>
-<p:sldLayout xmlns:a="http://schemas.openxmlformats.org/drawingml/2006/main" xmlns:r="http://schemas.openxmlformats.org/officeDocument/2006/relationships" xmlns:p14="http://schemas.microsoft.com/office/powerpoint/2010/main" xmlns:a14="http://schemas.microsoft.com/office/drawing/2010/main" xmlns:p15="http://schemas.microsoft.com/office/powerpoint/2012/main" xmlns:p159="http://schemas.microsoft.com/office/powerpoint/2015/09/main" xmlns:p="http://schemas.openxmlformats.org/presentationml/2006/main" type="titleOnly" preserve="1">
+<p:sldLayout xmlns:a="http://schemas.openxmlformats.org/drawingml/2006/main" xmlns:r="http://schemas.openxmlformats.org/officeDocument/2006/relationships" xmlns:m="http://schemas.openxmlformats.org/officeDocument/2006/math" xmlns:w="http://schemas.openxmlformats.org/wordprocessingml/2006/main" xmlns:wp="http://schemas.openxmlformats.org/drawingml/2006/wordprocessingDrawing" xmlns:a14="http://schemas.microsoft.com/office/drawing/2010/main" xmlns:mc="http://schemas.openxmlformats.org/markup-compatibility/2006" xmlns:p14="http://schemas.microsoft.com/office/powerpoint/2010/main" xmlns:p15="http://schemas.microsoft.com/office/powerpoint/2012/main" xmlns:p159="http://schemas.microsoft.com/office/powerpoint/2015/09/main" xmlns:p="http://schemas.openxmlformats.org/presentationml/2006/main" type="titleOnly" preserve="1">
   <p:cSld name="Title Only">
     <p:spTree>
       <p:nvGrpSpPr>
-        <p:cNvPr id="1" name=""/>
+        <p:cNvPr id="1" name="" title=""/>
         <p:cNvGrpSpPr/>
         <p:nvPr/>
       </p:nvGrpSpPr>
@@ -1737,7 +1737,7 @@
       </p:grpSpPr>
       <p:sp>
         <p:nvSpPr>
-          <p:cNvPr id="2" name="Title 1"/>
+          <p:cNvPr id="2" name="Title 1" title=""/>
           <p:cNvSpPr>
             <a:spLocks noGrp="1"/>
           </p:cNvSpPr>
@@ -1760,7 +1760,7 @@
       </p:sp>
       <p:sp>
         <p:nvSpPr>
-          <p:cNvPr id="3" name="Date Placeholder 2"/>
+          <p:cNvPr id="3" name="Date Placeholder 2" title=""/>
           <p:cNvSpPr>
             <a:spLocks noGrp="1"/>
           </p:cNvSpPr>
@@ -1773,7 +1773,7 @@
           <a:bodyPr/>
           <a:lstStyle/>
           <a:p>
-            <a:fld id="{09D0A202-2D94-4E76-AC9A-79701B2CDE13}" type="datetimeFigureOut">
+            <a:fld id="{C219917C-9643-4D77-B732-73B3B2AD76A3}" type="datetimeFigureOut">
               <a:rPr lang="en-US" smtClean="0"/>
               <a:t>11/7/2009</a:t>
             </a:fld>
@@ -1783,7 +1783,7 @@
       </p:sp>
       <p:sp>
         <p:nvSpPr>
-          <p:cNvPr id="4" name="Footer Placeholder 3"/>
+          <p:cNvPr id="4" name="Footer Placeholder 3" title=""/>
           <p:cNvSpPr>
             <a:spLocks noGrp="1"/>
           </p:cNvSpPr>
@@ -1802,7 +1802,7 @@
       </p:sp>
       <p:sp>
         <p:nvSpPr>
-          <p:cNvPr id="5" name="Slide Number Placeholder 4"/>
+          <p:cNvPr id="5" name="Slide Number Placeholder 4" title=""/>
           <p:cNvSpPr>
             <a:spLocks noGrp="1"/>
           </p:cNvSpPr>
@@ -1834,11 +1834,11 @@
 </file>
 
 <file path=ppt/slideLayouts/slideLayout7.xml><?xml version="1.0" encoding="utf-8"?>
-<p:sldLayout xmlns:a="http://schemas.openxmlformats.org/drawingml/2006/main" xmlns:r="http://schemas.openxmlformats.org/officeDocument/2006/relationships" xmlns:p14="http://schemas.microsoft.com/office/powerpoint/2010/main" xmlns:a14="http://schemas.microsoft.com/office/drawing/2010/main" xmlns:p15="http://schemas.microsoft.com/office/powerpoint/2012/main" xmlns:p159="http://schemas.microsoft.com/office/powerpoint/2015/09/main" xmlns:p="http://schemas.openxmlformats.org/presentationml/2006/main" type="blank" preserve="1">
+<p:sldLayout xmlns:a="http://schemas.openxmlformats.org/drawingml/2006/main" xmlns:r="http://schemas.openxmlformats.org/officeDocument/2006/relationships" xmlns:m="http://schemas.openxmlformats.org/officeDocument/2006/math" xmlns:w="http://schemas.openxmlformats.org/wordprocessingml/2006/main" xmlns:wp="http://schemas.openxmlformats.org/drawingml/2006/wordprocessingDrawing" xmlns:a14="http://schemas.microsoft.com/office/drawing/2010/main" xmlns:mc="http://schemas.openxmlformats.org/markup-compatibility/2006" xmlns:p14="http://schemas.microsoft.com/office/powerpoint/2010/main" xmlns:p15="http://schemas.microsoft.com/office/powerpoint/2012/main" xmlns:p159="http://schemas.microsoft.com/office/powerpoint/2015/09/main" xmlns:p="http://schemas.openxmlformats.org/presentationml/2006/main" type="blank" preserve="1">
   <p:cSld name="Blank">
     <p:spTree>
       <p:nvGrpSpPr>
-        <p:cNvPr id="1" name=""/>
+        <p:cNvPr id="1" name="" title=""/>
         <p:cNvGrpSpPr/>
         <p:nvPr/>
       </p:nvGrpSpPr>
@@ -1850,7 +1850,7 @@
       </p:grpSpPr>
       <p:sp>
         <p:nvSpPr>
-          <p:cNvPr id="2" name="Date Placeholder 1"/>
+          <p:cNvPr id="2" name="Date Placeholder 1" title=""/>
           <p:cNvSpPr>
             <a:spLocks noGrp="1"/>
           </p:cNvSpPr>
@@ -1863,7 +1863,7 @@
           <a:bodyPr/>
           <a:lstStyle/>
           <a:p>
-            <a:fld id="{05300845-EE3F-4984-AED8-B4CE69F27540}" type="datetimeFigureOut">
+            <a:fld id="{29225011-2888-4ED8-A07D-470DAD144123}" type="datetimeFigureOut">
               <a:rPr lang="en-US" smtClean="0"/>
               <a:t>11/7/2009</a:t>
             </a:fld>
@@ -1873,7 +1873,7 @@
       </p:sp>
       <p:sp>
         <p:nvSpPr>
-          <p:cNvPr id="3" name="Footer Placeholder 2"/>
+          <p:cNvPr id="3" name="Footer Placeholder 2" title=""/>
           <p:cNvSpPr>
             <a:spLocks noGrp="1"/>
           </p:cNvSpPr>
@@ -1892,7 +1892,7 @@
       </p:sp>
       <p:sp>
         <p:nvSpPr>
-          <p:cNvPr id="4" name="Slide Number Placeholder 3"/>
+          <p:cNvPr id="4" name="Slide Number Placeholder 3" title=""/>
           <p:cNvSpPr>
             <a:spLocks noGrp="1"/>
           </p:cNvSpPr>
@@ -1924,11 +1924,11 @@
 </file>
 
 <file path=ppt/slideLayouts/slideLayout8.xml><?xml version="1.0" encoding="utf-8"?>
-<p:sldLayout xmlns:a="http://schemas.openxmlformats.org/drawingml/2006/main" xmlns:r="http://schemas.openxmlformats.org/officeDocument/2006/relationships" xmlns:p14="http://schemas.microsoft.com/office/powerpoint/2010/main" xmlns:a14="http://schemas.microsoft.com/office/drawing/2010/main" xmlns:p15="http://schemas.microsoft.com/office/powerpoint/2012/main" xmlns:p159="http://schemas.microsoft.com/office/powerpoint/2015/09/main" xmlns:p="http://schemas.openxmlformats.org/presentationml/2006/main" type="objTx" preserve="1">
+<p:sldLayout xmlns:a="http://schemas.openxmlformats.org/drawingml/2006/main" xmlns:r="http://schemas.openxmlformats.org/officeDocument/2006/relationships" xmlns:m="http://schemas.openxmlformats.org/officeDocument/2006/math" xmlns:w="http://schemas.openxmlformats.org/wordprocessingml/2006/main" xmlns:wp="http://schemas.openxmlformats.org/drawingml/2006/wordprocessingDrawing" xmlns:a14="http://schemas.microsoft.com/office/drawing/2010/main" xmlns:mc="http://schemas.openxmlformats.org/markup-compatibility/2006" xmlns:p14="http://schemas.microsoft.com/office/powerpoint/2010/main" xmlns:p15="http://schemas.microsoft.com/office/powerpoint/2012/main" xmlns:p159="http://schemas.microsoft.com/office/powerpoint/2015/09/main" xmlns:p="http://schemas.openxmlformats.org/presentationml/2006/main" type="objTx" preserve="1">
   <p:cSld name="Content with Caption">
     <p:spTree>
       <p:nvGrpSpPr>
-        <p:cNvPr id="1" name=""/>
+        <p:cNvPr id="1" name="" title=""/>
         <p:cNvGrpSpPr/>
         <p:nvPr/>
       </p:nvGrpSpPr>
@@ -1940,7 +1940,7 @@
       </p:grpSpPr>
       <p:sp>
         <p:nvSpPr>
-          <p:cNvPr id="2" name="Title 1"/>
+          <p:cNvPr id="2" name="Title 1" title=""/>
           <p:cNvSpPr>
             <a:spLocks noGrp="1"/>
           </p:cNvSpPr>
@@ -1967,7 +1967,7 @@
       </p:sp>
       <p:sp>
         <p:nvSpPr>
-          <p:cNvPr id="3" name="Content Placeholder 2"/>
+          <p:cNvPr id="3" name="Content Placeholder 2" title=""/>
           <p:cNvSpPr>
             <a:spLocks noGrp="1"/>
           </p:cNvSpPr>
@@ -2046,7 +2046,7 @@
       </p:sp>
       <p:sp>
         <p:nvSpPr>
-          <p:cNvPr id="4" name="Text Placeholder 3"/>
+          <p:cNvPr id="4" name="Text Placeholder 3" title=""/>
           <p:cNvSpPr>
             <a:spLocks noGrp="1"/>
           </p:cNvSpPr>
@@ -2105,7 +2105,7 @@
       </p:sp>
       <p:sp>
         <p:nvSpPr>
-          <p:cNvPr id="5" name="Date Placeholder 4"/>
+          <p:cNvPr id="5" name="Date Placeholder 4" title=""/>
           <p:cNvSpPr>
             <a:spLocks noGrp="1"/>
           </p:cNvSpPr>
@@ -2118,7 +2118,7 @@
           <a:bodyPr/>
           <a:lstStyle/>
           <a:p>
-            <a:fld id="{3E063B7B-E5A7-40F1-A79F-5C94C4D2B4E6}" type="datetimeFigureOut">
+            <a:fld id="{64CEF89F-F615-416A-9CF3-F432A6E27E5B}" type="datetimeFigureOut">
               <a:rPr lang="en-US" smtClean="0"/>
               <a:t>11/7/2009</a:t>
             </a:fld>
@@ -2128,7 +2128,7 @@
       </p:sp>
       <p:sp>
         <p:nvSpPr>
-          <p:cNvPr id="6" name="Footer Placeholder 5"/>
+          <p:cNvPr id="6" name="Footer Placeholder 5" title=""/>
           <p:cNvSpPr>
             <a:spLocks noGrp="1"/>
           </p:cNvSpPr>
@@ -2147,7 +2147,7 @@
       </p:sp>
       <p:sp>
         <p:nvSpPr>
-          <p:cNvPr id="7" name="Slide Number Placeholder 6"/>
+          <p:cNvPr id="7" name="Slide Number Placeholder 6" title=""/>
           <p:cNvSpPr>
             <a:spLocks noGrp="1"/>
           </p:cNvSpPr>
@@ -2179,11 +2179,11 @@
 </file>
 
 <file path=ppt/slideLayouts/slideLayout9.xml><?xml version="1.0" encoding="utf-8"?>
-<p:sldLayout xmlns:a="http://schemas.openxmlformats.org/drawingml/2006/main" xmlns:r="http://schemas.openxmlformats.org/officeDocument/2006/relationships" xmlns:p14="http://schemas.microsoft.com/office/powerpoint/2010/main" xmlns:a14="http://schemas.microsoft.com/office/drawing/2010/main" xmlns:p15="http://schemas.microsoft.com/office/powerpoint/2012/main" xmlns:p159="http://schemas.microsoft.com/office/powerpoint/2015/09/main" xmlns:p="http://schemas.openxmlformats.org/presentationml/2006/main" type="picTx" preserve="1">
+<p:sldLayout xmlns:a="http://schemas.openxmlformats.org/drawingml/2006/main" xmlns:r="http://schemas.openxmlformats.org/officeDocument/2006/relationships" xmlns:m="http://schemas.openxmlformats.org/officeDocument/2006/math" xmlns:w="http://schemas.openxmlformats.org/wordprocessingml/2006/main" xmlns:wp="http://schemas.openxmlformats.org/drawingml/2006/wordprocessingDrawing" xmlns:a14="http://schemas.microsoft.com/office/drawing/2010/main" xmlns:mc="http://schemas.openxmlformats.org/markup-compatibility/2006" xmlns:p14="http://schemas.microsoft.com/office/powerpoint/2010/main" xmlns:p15="http://schemas.microsoft.com/office/powerpoint/2012/main" xmlns:p159="http://schemas.microsoft.com/office/powerpoint/2015/09/main" xmlns:p="http://schemas.openxmlformats.org/presentationml/2006/main" type="picTx" preserve="1">
   <p:cSld name="Picture with Caption">
     <p:spTree>
       <p:nvGrpSpPr>
-        <p:cNvPr id="1" name=""/>
+        <p:cNvPr id="1" name="" title=""/>
         <p:cNvGrpSpPr/>
         <p:nvPr/>
       </p:nvGrpSpPr>
@@ -2195,7 +2195,7 @@
       </p:grpSpPr>
       <p:sp>
         <p:nvSpPr>
-          <p:cNvPr id="2" name="Title 1"/>
+          <p:cNvPr id="2" name="Title 1" title=""/>
           <p:cNvSpPr>
             <a:spLocks noGrp="1"/>
           </p:cNvSpPr>
@@ -2222,7 +2222,7 @@
       </p:sp>
       <p:sp>
         <p:nvSpPr>
-          <p:cNvPr id="3" name="Picture Placeholder 2"/>
+          <p:cNvPr id="3" name="Picture Placeholder 2" title=""/>
           <p:cNvSpPr>
             <a:spLocks noGrp="1"/>
           </p:cNvSpPr>
@@ -2278,7 +2278,7 @@
       </p:sp>
       <p:sp>
         <p:nvSpPr>
-          <p:cNvPr id="4" name="Text Placeholder 3"/>
+          <p:cNvPr id="4" name="Text Placeholder 3" title=""/>
           <p:cNvSpPr>
             <a:spLocks noGrp="1"/>
           </p:cNvSpPr>
@@ -2337,7 +2337,7 @@
       </p:sp>
       <p:sp>
         <p:nvSpPr>
-          <p:cNvPr id="5" name="Date Placeholder 4"/>
+          <p:cNvPr id="5" name="Date Placeholder 4" title=""/>
           <p:cNvSpPr>
             <a:spLocks noGrp="1"/>
           </p:cNvSpPr>
@@ -2350,7 +2350,7 @@
           <a:bodyPr/>
           <a:lstStyle/>
           <a:p>
-            <a:fld id="{428A8897-A0FD-4C14-B516-099C7EFAFEFE}" type="datetimeFigureOut">
+            <a:fld id="{9AB3C50F-D581-4DCF-B3BD-0EBE52E7DCAA}" type="datetimeFigureOut">
               <a:rPr lang="en-US" smtClean="0"/>
               <a:t>11/7/2009</a:t>
             </a:fld>
@@ -2360,7 +2360,7 @@
       </p:sp>
       <p:sp>
         <p:nvSpPr>
-          <p:cNvPr id="6" name="Footer Placeholder 5"/>
+          <p:cNvPr id="6" name="Footer Placeholder 5" title=""/>
           <p:cNvSpPr>
             <a:spLocks noGrp="1"/>
           </p:cNvSpPr>
@@ -2379,7 +2379,7 @@
       </p:sp>
       <p:sp>
         <p:nvSpPr>
-          <p:cNvPr id="7" name="Slide Number Placeholder 6"/>
+          <p:cNvPr id="7" name="Slide Number Placeholder 6" title=""/>
           <p:cNvSpPr>
             <a:spLocks noGrp="1"/>
           </p:cNvSpPr>
@@ -2411,7 +2411,7 @@
 </file>
 
 <file path=ppt/slideMasters/slideMaster1.xml><?xml version="1.0" encoding="utf-8"?>
-<p:sldMaster xmlns:a="http://schemas.openxmlformats.org/drawingml/2006/main" xmlns:r="http://schemas.openxmlformats.org/officeDocument/2006/relationships" xmlns:p14="http://schemas.microsoft.com/office/powerpoint/2010/main" xmlns:a14="http://schemas.microsoft.com/office/drawing/2010/main" xmlns:p15="http://schemas.microsoft.com/office/powerpoint/2012/main" xmlns:p159="http://schemas.microsoft.com/office/powerpoint/2015/09/main" xmlns:p="http://schemas.openxmlformats.org/presentationml/2006/main">
+<p:sldMaster xmlns:a="http://schemas.openxmlformats.org/drawingml/2006/main" xmlns:r="http://schemas.openxmlformats.org/officeDocument/2006/relationships" xmlns:m="http://schemas.openxmlformats.org/officeDocument/2006/math" xmlns:w="http://schemas.openxmlformats.org/wordprocessingml/2006/main" xmlns:wp="http://schemas.openxmlformats.org/drawingml/2006/wordprocessingDrawing" xmlns:a14="http://schemas.microsoft.com/office/drawing/2010/main" xmlns:mc="http://schemas.openxmlformats.org/markup-compatibility/2006" xmlns:p14="http://schemas.microsoft.com/office/powerpoint/2010/main" xmlns:p15="http://schemas.microsoft.com/office/powerpoint/2012/main" xmlns:p159="http://schemas.microsoft.com/office/powerpoint/2015/09/main" xmlns:p="http://schemas.openxmlformats.org/presentationml/2006/main">
   <p:cSld>
     <p:bg>
       <p:bgRef idx="1001">
@@ -2420,7 +2420,7 @@
     </p:bg>
     <p:spTree>
       <p:nvGrpSpPr>
-        <p:cNvPr id="1" name=""/>
+        <p:cNvPr id="1" name="" title=""/>
         <p:cNvGrpSpPr/>
         <p:nvPr/>
       </p:nvGrpSpPr>
@@ -2432,7 +2432,7 @@
       </p:grpSpPr>
       <p:sp>
         <p:nvSpPr>
-          <p:cNvPr id="2" name="Title Placeholder 1"/>
+          <p:cNvPr id="2" name="Title Placeholder 1" title=""/>
           <p:cNvSpPr>
             <a:spLocks noGrp="1"/>
           </p:cNvSpPr>
@@ -2465,7 +2465,7 @@
       </p:sp>
       <p:sp>
         <p:nvSpPr>
-          <p:cNvPr id="3" name="Text Placeholder 2"/>
+          <p:cNvPr id="3" name="Text Placeholder 2" title=""/>
           <p:cNvSpPr>
             <a:spLocks noGrp="1"/>
           </p:cNvSpPr>
@@ -2526,7 +2526,7 @@
       </p:sp>
       <p:sp>
         <p:nvSpPr>
-          <p:cNvPr id="4" name="Date Placeholder 3"/>
+          <p:cNvPr id="4" name="Date Placeholder 3" title=""/>
           <p:cNvSpPr>
             <a:spLocks noGrp="1"/>
           </p:cNvSpPr>
@@ -2567,7 +2567,7 @@
       </p:sp>
       <p:sp>
         <p:nvSpPr>
-          <p:cNvPr id="5" name="Footer Placeholder 4"/>
+          <p:cNvPr id="5" name="Footer Placeholder 4" title=""/>
           <p:cNvSpPr>
             <a:spLocks noGrp="1"/>
           </p:cNvSpPr>
@@ -2604,7 +2604,7 @@
       </p:sp>
       <p:sp>
         <p:nvSpPr>
-          <p:cNvPr id="6" name="Slide Number Placeholder 5"/>
+          <p:cNvPr id="6" name="Slide Number Placeholder 5" title=""/>
           <p:cNvSpPr>
             <a:spLocks noGrp="1"/>
           </p:cNvSpPr>
@@ -2915,11 +2915,11 @@
 </file>
 
 <file path=ppt/slides/slide1.xml><?xml version="1.0" encoding="utf-8"?>
-<p:sld xmlns:a="http://schemas.openxmlformats.org/drawingml/2006/main" xmlns:r="http://schemas.openxmlformats.org/officeDocument/2006/relationships" xmlns:p14="http://schemas.microsoft.com/office/powerpoint/2010/main" xmlns:a14="http://schemas.microsoft.com/office/drawing/2010/main" xmlns:p15="http://schemas.microsoft.com/office/powerpoint/2012/main" xmlns:p159="http://schemas.microsoft.com/office/powerpoint/2015/09/main" xmlns:p="http://schemas.openxmlformats.org/presentationml/2006/main">
+<p:sld xmlns:a="http://schemas.openxmlformats.org/drawingml/2006/main" xmlns:r="http://schemas.openxmlformats.org/officeDocument/2006/relationships" xmlns:m="http://schemas.openxmlformats.org/officeDocument/2006/math" xmlns:w="http://schemas.openxmlformats.org/wordprocessingml/2006/main" xmlns:wp="http://schemas.openxmlformats.org/drawingml/2006/wordprocessingDrawing" xmlns:a14="http://schemas.microsoft.com/office/drawing/2010/main" xmlns:mc="http://schemas.openxmlformats.org/markup-compatibility/2006" xmlns:p14="http://schemas.microsoft.com/office/powerpoint/2010/main" xmlns:p15="http://schemas.microsoft.com/office/powerpoint/2012/main" xmlns:p159="http://schemas.microsoft.com/office/powerpoint/2015/09/main" xmlns:p="http://schemas.openxmlformats.org/presentationml/2006/main">
   <p:cSld name="">
     <p:spTree>
       <p:nvGrpSpPr>
-        <p:cNvPr id="1" name=""/>
+        <p:cNvPr id="1" name="" title=""/>
         <p:cNvGrpSpPr/>
         <p:nvPr/>
       </p:nvGrpSpPr>
@@ -2931,12 +2931,18 @@
       </p:grpSpPr>
       <p:pic>
         <p:nvPicPr>
-          <p:cNvPr id="2" name="New picture"/>
+          <p:cNvPr id="2" name="New picture" title=""/>
           <p:cNvPicPr/>
           <p:nvPr/>
         </p:nvPicPr>
         <p:blipFill>
-          <a:blip r:embed="rId2"/>
+          <a:blip r:embed="rId2">
+            <a:extLst>
+              <a:ext uri="{96DAC541-7B7A-43D3-8B79-37D633B846F1}">
+                <asvg:svgBlip xmlns:asvg="http://schemas.microsoft.com/office/drawing/2016/SVG/main" r:embed="rId3"/>
+              </a:ext>
+            </a:extLst>
+          </a:blip>
           <a:stretch>
             <a:fillRect/>
           </a:stretch>
@@ -2944,13 +2950,84 @@
         <p:spPr>
           <a:xfrm>
             <a:off x="0" y="0"/>
-            <a:ext cx="6096000" cy="6096000"/>
+            <a:ext cx="6083300" cy="6083300"/>
           </a:xfrm>
           <a:prstGeom prst="rect">
             <a:avLst/>
           </a:prstGeom>
         </p:spPr>
       </p:pic>
+      <p:sp>
+        <p:nvSpPr>
+          <p:cNvPr id="3" name="TextBox"/>
+          <p:cNvSpPr txBox="1">
+            <a:spLocks noGrp="1" noSelect="1" noRot="1" noMove="1"/>
+          </p:cNvSpPr>
+          <p:nvPr/>
+        </p:nvSpPr>
+        <p:spPr>
+          <a:xfrm>
+            <a:off x="1366520" y="2644140"/>
+            <a:ext cx="6411372" cy="1569660"/>
+          </a:xfrm>
+          <a:prstGeom prst="rect">
+            <a:avLst/>
+          </a:prstGeom>
+          <a:noFill/>
+        </p:spPr>
+        <p:txBody>
+          <a:bodyPr wrap="none" rtlCol="0" anchor="ctr" anchorCtr="1">
+            <a:spAutoFit/>
+          </a:bodyPr>
+          <a:lstStyle>
+            <a:lvl1pPr algn="l">
+              <a:lnSpc>
+                <a:spcPct val="150000"/>
+              </a:lnSpc>
+              <a:spcBef>
+                <a:spcPct val="0"/>
+              </a:spcBef>
+              <a:spcAft>
+                <a:spcPct val="0"/>
+              </a:spcAft>
+              <a:defRPr lang="en-US" sz="3200" b="1" noProof="1" dirty="0">
+                <a:solidFill>
+                  <a:prstClr val="red">
+                    <a:lumOff val="30000"/>
+                    <a:alpha val="40000"/>
+                  </a:prstClr>
+                </a:solidFill>
+                <a:effectLst>
+                  <a:outerShdw blurRad="50800" dist="38100" algn="tr" rotWithShape="0">
+                    <a:prstClr val="black">
+                      <a:alpha val="80000"/>
+                    </a:prstClr>
+                  </a:outerShdw>
+                </a:effectLst>
+                <a:latin typeface="Calibri" pitchFamily="34" charset="0"/>
+              </a:defRPr>
+            </a:lvl1pPr>
+          </a:lstStyle>
+          <a:p>
+            <a:pPr algn="ctr"/>
+            <a:r>
+              <a:t>Evaluation only.</a:t>
+            </a:r>
+          </a:p>
+          <a:p>
+            <a:pPr algn="ctr"/>
+            <a:r>
+              <a:t>Created with Aspose.Slides for .NET 4.0 Client Profile 21.12.</a:t>
+            </a:r>
+          </a:p>
+          <a:p>
+            <a:pPr algn="ctr"/>
+            <a:r>
+              <a:t>Copyright 2004-2021Aspose Pty Ltd.</a:t>
+            </a:r>
+          </a:p>
+        </p:txBody>
+      </p:sp>
     </p:spTree>
   </p:cSld>
   <p:clrMapOvr>
@@ -2964,10 +3041,10 @@
 <file path=ppt/tags/tag1.xml><?xml version="1.0" encoding="utf-8"?>
 <p:tagLst xmlns:p="http://schemas.openxmlformats.org/presentationml/2006/main">
   <p:tag name="AS_NET" val="4.0.30319.42000"/>
-  <p:tag name="AS_OS" val="Microsoft Windows NT 6.2.9200.0"/>
-  <p:tag name="AS_RELEASE_DATE" val="2019.05.17"/>
+  <p:tag name="AS_OS" val="Microsoft Windows NT 6.3.9600.0"/>
+  <p:tag name="AS_RELEASE_DATE" val="2021.12.14"/>
   <p:tag name="AS_TITLE" val="Aspose.Slides for .NET 4.0 Client Profile"/>
-  <p:tag name="AS_VERSION" val="19.5"/>
+  <p:tag name="AS_VERSION" val="21.12"/>
 </p:tagLst>
 </file>
 
